--- a/docs/Diagram/UiComponentClassDiagram.pptx
+++ b/docs/Diagram/UiComponentClassDiagram.pptx
@@ -154,7 +154,7 @@
           </a:lstStyle>
           <a:p>
             <a:r>
-              <a:rPr lang="en-US" smtClean="0"/>
+              <a:rPr lang="en-US"/>
               <a:t>Click to edit Master title style</a:t>
             </a:r>
             <a:endParaRPr lang="en-SG"/>
@@ -219,7 +219,7 @@
           </a:lstStyle>
           <a:p>
             <a:r>
-              <a:rPr lang="en-US" smtClean="0"/>
+              <a:rPr lang="en-US"/>
               <a:t>Click to edit Master subtitle style</a:t>
             </a:r>
             <a:endParaRPr lang="en-SG"/>
@@ -243,7 +243,7 @@
           <a:p>
             <a:fld id="{6274F62E-E912-4A1A-83B9-DB3440DE70C5}" type="datetimeFigureOut">
               <a:rPr lang="en-SG" smtClean="0"/>
-              <a:t>21/10/2016</a:t>
+              <a:t>7/11/2016</a:t>
             </a:fld>
             <a:endParaRPr lang="en-SG"/>
           </a:p>
@@ -337,7 +337,7 @@
           <a:lstStyle/>
           <a:p>
             <a:r>
-              <a:rPr lang="en-US" smtClean="0"/>
+              <a:rPr lang="en-US"/>
               <a:t>Click to edit Master title style</a:t>
             </a:r>
             <a:endParaRPr lang="en-SG"/>
@@ -361,35 +361,35 @@
           <a:p>
             <a:pPr lvl="0"/>
             <a:r>
-              <a:rPr lang="en-US" smtClean="0"/>
+              <a:rPr lang="en-US"/>
               <a:t>Edit Master text styles</a:t>
             </a:r>
           </a:p>
           <a:p>
             <a:pPr lvl="1"/>
             <a:r>
-              <a:rPr lang="en-US" smtClean="0"/>
+              <a:rPr lang="en-US"/>
               <a:t>Second level</a:t>
             </a:r>
           </a:p>
           <a:p>
             <a:pPr lvl="2"/>
             <a:r>
-              <a:rPr lang="en-US" smtClean="0"/>
+              <a:rPr lang="en-US"/>
               <a:t>Third level</a:t>
             </a:r>
           </a:p>
           <a:p>
             <a:pPr lvl="3"/>
             <a:r>
-              <a:rPr lang="en-US" smtClean="0"/>
+              <a:rPr lang="en-US"/>
               <a:t>Fourth level</a:t>
             </a:r>
           </a:p>
           <a:p>
             <a:pPr lvl="4"/>
             <a:r>
-              <a:rPr lang="en-US" smtClean="0"/>
+              <a:rPr lang="en-US"/>
               <a:t>Fifth level</a:t>
             </a:r>
             <a:endParaRPr lang="en-SG"/>
@@ -413,7 +413,7 @@
           <a:p>
             <a:fld id="{6274F62E-E912-4A1A-83B9-DB3440DE70C5}" type="datetimeFigureOut">
               <a:rPr lang="en-SG" smtClean="0"/>
-              <a:t>21/10/2016</a:t>
+              <a:t>7/11/2016</a:t>
             </a:fld>
             <a:endParaRPr lang="en-SG"/>
           </a:p>
@@ -512,7 +512,7 @@
           <a:lstStyle/>
           <a:p>
             <a:r>
-              <a:rPr lang="en-US" smtClean="0"/>
+              <a:rPr lang="en-US"/>
               <a:t>Click to edit Master title style</a:t>
             </a:r>
             <a:endParaRPr lang="en-SG"/>
@@ -541,35 +541,35 @@
           <a:p>
             <a:pPr lvl="0"/>
             <a:r>
-              <a:rPr lang="en-US" smtClean="0"/>
+              <a:rPr lang="en-US"/>
               <a:t>Edit Master text styles</a:t>
             </a:r>
           </a:p>
           <a:p>
             <a:pPr lvl="1"/>
             <a:r>
-              <a:rPr lang="en-US" smtClean="0"/>
+              <a:rPr lang="en-US"/>
               <a:t>Second level</a:t>
             </a:r>
           </a:p>
           <a:p>
             <a:pPr lvl="2"/>
             <a:r>
-              <a:rPr lang="en-US" smtClean="0"/>
+              <a:rPr lang="en-US"/>
               <a:t>Third level</a:t>
             </a:r>
           </a:p>
           <a:p>
             <a:pPr lvl="3"/>
             <a:r>
-              <a:rPr lang="en-US" smtClean="0"/>
+              <a:rPr lang="en-US"/>
               <a:t>Fourth level</a:t>
             </a:r>
           </a:p>
           <a:p>
             <a:pPr lvl="4"/>
             <a:r>
-              <a:rPr lang="en-US" smtClean="0"/>
+              <a:rPr lang="en-US"/>
               <a:t>Fifth level</a:t>
             </a:r>
             <a:endParaRPr lang="en-SG"/>
@@ -593,7 +593,7 @@
           <a:p>
             <a:fld id="{6274F62E-E912-4A1A-83B9-DB3440DE70C5}" type="datetimeFigureOut">
               <a:rPr lang="en-SG" smtClean="0"/>
-              <a:t>21/10/2016</a:t>
+              <a:t>7/11/2016</a:t>
             </a:fld>
             <a:endParaRPr lang="en-SG"/>
           </a:p>
@@ -687,7 +687,7 @@
           <a:lstStyle/>
           <a:p>
             <a:r>
-              <a:rPr lang="en-US" smtClean="0"/>
+              <a:rPr lang="en-US"/>
               <a:t>Click to edit Master title style</a:t>
             </a:r>
             <a:endParaRPr lang="en-SG"/>
@@ -711,35 +711,35 @@
           <a:p>
             <a:pPr lvl="0"/>
             <a:r>
-              <a:rPr lang="en-US" smtClean="0"/>
+              <a:rPr lang="en-US"/>
               <a:t>Edit Master text styles</a:t>
             </a:r>
           </a:p>
           <a:p>
             <a:pPr lvl="1"/>
             <a:r>
-              <a:rPr lang="en-US" smtClean="0"/>
+              <a:rPr lang="en-US"/>
               <a:t>Second level</a:t>
             </a:r>
           </a:p>
           <a:p>
             <a:pPr lvl="2"/>
             <a:r>
-              <a:rPr lang="en-US" smtClean="0"/>
+              <a:rPr lang="en-US"/>
               <a:t>Third level</a:t>
             </a:r>
           </a:p>
           <a:p>
             <a:pPr lvl="3"/>
             <a:r>
-              <a:rPr lang="en-US" smtClean="0"/>
+              <a:rPr lang="en-US"/>
               <a:t>Fourth level</a:t>
             </a:r>
           </a:p>
           <a:p>
             <a:pPr lvl="4"/>
             <a:r>
-              <a:rPr lang="en-US" smtClean="0"/>
+              <a:rPr lang="en-US"/>
               <a:t>Fifth level</a:t>
             </a:r>
             <a:endParaRPr lang="en-SG"/>
@@ -763,7 +763,7 @@
           <a:p>
             <a:fld id="{6274F62E-E912-4A1A-83B9-DB3440DE70C5}" type="datetimeFigureOut">
               <a:rPr lang="en-SG" smtClean="0"/>
-              <a:t>21/10/2016</a:t>
+              <a:t>7/11/2016</a:t>
             </a:fld>
             <a:endParaRPr lang="en-SG"/>
           </a:p>
@@ -866,7 +866,7 @@
           </a:lstStyle>
           <a:p>
             <a:r>
-              <a:rPr lang="en-US" smtClean="0"/>
+              <a:rPr lang="en-US"/>
               <a:t>Click to edit Master title style</a:t>
             </a:r>
             <a:endParaRPr lang="en-SG"/>
@@ -986,7 +986,7 @@
           <a:p>
             <a:pPr lvl="0"/>
             <a:r>
-              <a:rPr lang="en-US" smtClean="0"/>
+              <a:rPr lang="en-US"/>
               <a:t>Edit Master text styles</a:t>
             </a:r>
           </a:p>
@@ -1009,7 +1009,7 @@
           <a:p>
             <a:fld id="{6274F62E-E912-4A1A-83B9-DB3440DE70C5}" type="datetimeFigureOut">
               <a:rPr lang="en-SG" smtClean="0"/>
-              <a:t>21/10/2016</a:t>
+              <a:t>7/11/2016</a:t>
             </a:fld>
             <a:endParaRPr lang="en-SG"/>
           </a:p>
@@ -1103,7 +1103,7 @@
           <a:lstStyle/>
           <a:p>
             <a:r>
-              <a:rPr lang="en-US" smtClean="0"/>
+              <a:rPr lang="en-US"/>
               <a:t>Click to edit Master title style</a:t>
             </a:r>
             <a:endParaRPr lang="en-SG"/>
@@ -1132,35 +1132,35 @@
           <a:p>
             <a:pPr lvl="0"/>
             <a:r>
-              <a:rPr lang="en-US" smtClean="0"/>
+              <a:rPr lang="en-US"/>
               <a:t>Edit Master text styles</a:t>
             </a:r>
           </a:p>
           <a:p>
             <a:pPr lvl="1"/>
             <a:r>
-              <a:rPr lang="en-US" smtClean="0"/>
+              <a:rPr lang="en-US"/>
               <a:t>Second level</a:t>
             </a:r>
           </a:p>
           <a:p>
             <a:pPr lvl="2"/>
             <a:r>
-              <a:rPr lang="en-US" smtClean="0"/>
+              <a:rPr lang="en-US"/>
               <a:t>Third level</a:t>
             </a:r>
           </a:p>
           <a:p>
             <a:pPr lvl="3"/>
             <a:r>
-              <a:rPr lang="en-US" smtClean="0"/>
+              <a:rPr lang="en-US"/>
               <a:t>Fourth level</a:t>
             </a:r>
           </a:p>
           <a:p>
             <a:pPr lvl="4"/>
             <a:r>
-              <a:rPr lang="en-US" smtClean="0"/>
+              <a:rPr lang="en-US"/>
               <a:t>Fifth level</a:t>
             </a:r>
             <a:endParaRPr lang="en-SG"/>
@@ -1189,35 +1189,35 @@
           <a:p>
             <a:pPr lvl="0"/>
             <a:r>
-              <a:rPr lang="en-US" smtClean="0"/>
+              <a:rPr lang="en-US"/>
               <a:t>Edit Master text styles</a:t>
             </a:r>
           </a:p>
           <a:p>
             <a:pPr lvl="1"/>
             <a:r>
-              <a:rPr lang="en-US" smtClean="0"/>
+              <a:rPr lang="en-US"/>
               <a:t>Second level</a:t>
             </a:r>
           </a:p>
           <a:p>
             <a:pPr lvl="2"/>
             <a:r>
-              <a:rPr lang="en-US" smtClean="0"/>
+              <a:rPr lang="en-US"/>
               <a:t>Third level</a:t>
             </a:r>
           </a:p>
           <a:p>
             <a:pPr lvl="3"/>
             <a:r>
-              <a:rPr lang="en-US" smtClean="0"/>
+              <a:rPr lang="en-US"/>
               <a:t>Fourth level</a:t>
             </a:r>
           </a:p>
           <a:p>
             <a:pPr lvl="4"/>
             <a:r>
-              <a:rPr lang="en-US" smtClean="0"/>
+              <a:rPr lang="en-US"/>
               <a:t>Fifth level</a:t>
             </a:r>
             <a:endParaRPr lang="en-SG"/>
@@ -1241,7 +1241,7 @@
           <a:p>
             <a:fld id="{6274F62E-E912-4A1A-83B9-DB3440DE70C5}" type="datetimeFigureOut">
               <a:rPr lang="en-SG" smtClean="0"/>
-              <a:t>21/10/2016</a:t>
+              <a:t>7/11/2016</a:t>
             </a:fld>
             <a:endParaRPr lang="en-SG"/>
           </a:p>
@@ -1340,7 +1340,7 @@
           <a:lstStyle/>
           <a:p>
             <a:r>
-              <a:rPr lang="en-US" smtClean="0"/>
+              <a:rPr lang="en-US"/>
               <a:t>Click to edit Master title style</a:t>
             </a:r>
             <a:endParaRPr lang="en-SG"/>
@@ -1406,7 +1406,7 @@
           <a:p>
             <a:pPr lvl="0"/>
             <a:r>
-              <a:rPr lang="en-US" smtClean="0"/>
+              <a:rPr lang="en-US"/>
               <a:t>Edit Master text styles</a:t>
             </a:r>
           </a:p>
@@ -1434,35 +1434,35 @@
           <a:p>
             <a:pPr lvl="0"/>
             <a:r>
-              <a:rPr lang="en-US" smtClean="0"/>
+              <a:rPr lang="en-US"/>
               <a:t>Edit Master text styles</a:t>
             </a:r>
           </a:p>
           <a:p>
             <a:pPr lvl="1"/>
             <a:r>
-              <a:rPr lang="en-US" smtClean="0"/>
+              <a:rPr lang="en-US"/>
               <a:t>Second level</a:t>
             </a:r>
           </a:p>
           <a:p>
             <a:pPr lvl="2"/>
             <a:r>
-              <a:rPr lang="en-US" smtClean="0"/>
+              <a:rPr lang="en-US"/>
               <a:t>Third level</a:t>
             </a:r>
           </a:p>
           <a:p>
             <a:pPr lvl="3"/>
             <a:r>
-              <a:rPr lang="en-US" smtClean="0"/>
+              <a:rPr lang="en-US"/>
               <a:t>Fourth level</a:t>
             </a:r>
           </a:p>
           <a:p>
             <a:pPr lvl="4"/>
             <a:r>
-              <a:rPr lang="en-US" smtClean="0"/>
+              <a:rPr lang="en-US"/>
               <a:t>Fifth level</a:t>
             </a:r>
             <a:endParaRPr lang="en-SG"/>
@@ -1528,7 +1528,7 @@
           <a:p>
             <a:pPr lvl="0"/>
             <a:r>
-              <a:rPr lang="en-US" smtClean="0"/>
+              <a:rPr lang="en-US"/>
               <a:t>Edit Master text styles</a:t>
             </a:r>
           </a:p>
@@ -1556,35 +1556,35 @@
           <a:p>
             <a:pPr lvl="0"/>
             <a:r>
-              <a:rPr lang="en-US" smtClean="0"/>
+              <a:rPr lang="en-US"/>
               <a:t>Edit Master text styles</a:t>
             </a:r>
           </a:p>
           <a:p>
             <a:pPr lvl="1"/>
             <a:r>
-              <a:rPr lang="en-US" smtClean="0"/>
+              <a:rPr lang="en-US"/>
               <a:t>Second level</a:t>
             </a:r>
           </a:p>
           <a:p>
             <a:pPr lvl="2"/>
             <a:r>
-              <a:rPr lang="en-US" smtClean="0"/>
+              <a:rPr lang="en-US"/>
               <a:t>Third level</a:t>
             </a:r>
           </a:p>
           <a:p>
             <a:pPr lvl="3"/>
             <a:r>
-              <a:rPr lang="en-US" smtClean="0"/>
+              <a:rPr lang="en-US"/>
               <a:t>Fourth level</a:t>
             </a:r>
           </a:p>
           <a:p>
             <a:pPr lvl="4"/>
             <a:r>
-              <a:rPr lang="en-US" smtClean="0"/>
+              <a:rPr lang="en-US"/>
               <a:t>Fifth level</a:t>
             </a:r>
             <a:endParaRPr lang="en-SG"/>
@@ -1608,7 +1608,7 @@
           <a:p>
             <a:fld id="{6274F62E-E912-4A1A-83B9-DB3440DE70C5}" type="datetimeFigureOut">
               <a:rPr lang="en-SG" smtClean="0"/>
-              <a:t>21/10/2016</a:t>
+              <a:t>7/11/2016</a:t>
             </a:fld>
             <a:endParaRPr lang="en-SG"/>
           </a:p>
@@ -1702,7 +1702,7 @@
           <a:lstStyle/>
           <a:p>
             <a:r>
-              <a:rPr lang="en-US" smtClean="0"/>
+              <a:rPr lang="en-US"/>
               <a:t>Click to edit Master title style</a:t>
             </a:r>
             <a:endParaRPr lang="en-SG"/>
@@ -1726,7 +1726,7 @@
           <a:p>
             <a:fld id="{6274F62E-E912-4A1A-83B9-DB3440DE70C5}" type="datetimeFigureOut">
               <a:rPr lang="en-SG" smtClean="0"/>
-              <a:t>21/10/2016</a:t>
+              <a:t>7/11/2016</a:t>
             </a:fld>
             <a:endParaRPr lang="en-SG"/>
           </a:p>
@@ -1821,7 +1821,7 @@
           <a:p>
             <a:fld id="{6274F62E-E912-4A1A-83B9-DB3440DE70C5}" type="datetimeFigureOut">
               <a:rPr lang="en-SG" smtClean="0"/>
-              <a:t>21/10/2016</a:t>
+              <a:t>7/11/2016</a:t>
             </a:fld>
             <a:endParaRPr lang="en-SG"/>
           </a:p>
@@ -1924,7 +1924,7 @@
           </a:lstStyle>
           <a:p>
             <a:r>
-              <a:rPr lang="en-US" smtClean="0"/>
+              <a:rPr lang="en-US"/>
               <a:t>Click to edit Master title style</a:t>
             </a:r>
             <a:endParaRPr lang="en-SG"/>
@@ -1981,35 +1981,35 @@
           <a:p>
             <a:pPr lvl="0"/>
             <a:r>
-              <a:rPr lang="en-US" smtClean="0"/>
+              <a:rPr lang="en-US"/>
               <a:t>Edit Master text styles</a:t>
             </a:r>
           </a:p>
           <a:p>
             <a:pPr lvl="1"/>
             <a:r>
-              <a:rPr lang="en-US" smtClean="0"/>
+              <a:rPr lang="en-US"/>
               <a:t>Second level</a:t>
             </a:r>
           </a:p>
           <a:p>
             <a:pPr lvl="2"/>
             <a:r>
-              <a:rPr lang="en-US" smtClean="0"/>
+              <a:rPr lang="en-US"/>
               <a:t>Third level</a:t>
             </a:r>
           </a:p>
           <a:p>
             <a:pPr lvl="3"/>
             <a:r>
-              <a:rPr lang="en-US" smtClean="0"/>
+              <a:rPr lang="en-US"/>
               <a:t>Fourth level</a:t>
             </a:r>
           </a:p>
           <a:p>
             <a:pPr lvl="4"/>
             <a:r>
-              <a:rPr lang="en-US" smtClean="0"/>
+              <a:rPr lang="en-US"/>
               <a:t>Fifth level</a:t>
             </a:r>
             <a:endParaRPr lang="en-SG"/>
@@ -2075,7 +2075,7 @@
           <a:p>
             <a:pPr lvl="0"/>
             <a:r>
-              <a:rPr lang="en-US" smtClean="0"/>
+              <a:rPr lang="en-US"/>
               <a:t>Edit Master text styles</a:t>
             </a:r>
           </a:p>
@@ -2098,7 +2098,7 @@
           <a:p>
             <a:fld id="{6274F62E-E912-4A1A-83B9-DB3440DE70C5}" type="datetimeFigureOut">
               <a:rPr lang="en-SG" smtClean="0"/>
-              <a:t>21/10/2016</a:t>
+              <a:t>7/11/2016</a:t>
             </a:fld>
             <a:endParaRPr lang="en-SG"/>
           </a:p>
@@ -2201,7 +2201,7 @@
           </a:lstStyle>
           <a:p>
             <a:r>
-              <a:rPr lang="en-US" smtClean="0"/>
+              <a:rPr lang="en-US"/>
               <a:t>Click to edit Master title style</a:t>
             </a:r>
             <a:endParaRPr lang="en-SG"/>
@@ -2328,7 +2328,7 @@
           <a:p>
             <a:pPr lvl="0"/>
             <a:r>
-              <a:rPr lang="en-US" smtClean="0"/>
+              <a:rPr lang="en-US"/>
               <a:t>Edit Master text styles</a:t>
             </a:r>
           </a:p>
@@ -2351,7 +2351,7 @@
           <a:p>
             <a:fld id="{6274F62E-E912-4A1A-83B9-DB3440DE70C5}" type="datetimeFigureOut">
               <a:rPr lang="en-SG" smtClean="0"/>
-              <a:t>21/10/2016</a:t>
+              <a:t>7/11/2016</a:t>
             </a:fld>
             <a:endParaRPr lang="en-SG"/>
           </a:p>
@@ -2460,7 +2460,7 @@
           <a:lstStyle/>
           <a:p>
             <a:r>
-              <a:rPr lang="en-US" smtClean="0"/>
+              <a:rPr lang="en-US"/>
               <a:t>Click to edit Master title style</a:t>
             </a:r>
             <a:endParaRPr lang="en-SG"/>
@@ -2494,35 +2494,35 @@
           <a:p>
             <a:pPr lvl="0"/>
             <a:r>
-              <a:rPr lang="en-US" smtClean="0"/>
+              <a:rPr lang="en-US"/>
               <a:t>Edit Master text styles</a:t>
             </a:r>
           </a:p>
           <a:p>
             <a:pPr lvl="1"/>
             <a:r>
-              <a:rPr lang="en-US" smtClean="0"/>
+              <a:rPr lang="en-US"/>
               <a:t>Second level</a:t>
             </a:r>
           </a:p>
           <a:p>
             <a:pPr lvl="2"/>
             <a:r>
-              <a:rPr lang="en-US" smtClean="0"/>
+              <a:rPr lang="en-US"/>
               <a:t>Third level</a:t>
             </a:r>
           </a:p>
           <a:p>
             <a:pPr lvl="3"/>
             <a:r>
-              <a:rPr lang="en-US" smtClean="0"/>
+              <a:rPr lang="en-US"/>
               <a:t>Fourth level</a:t>
             </a:r>
           </a:p>
           <a:p>
             <a:pPr lvl="4"/>
             <a:r>
-              <a:rPr lang="en-US" smtClean="0"/>
+              <a:rPr lang="en-US"/>
               <a:t>Fifth level</a:t>
             </a:r>
             <a:endParaRPr lang="en-SG"/>
@@ -2564,7 +2564,7 @@
           <a:p>
             <a:fld id="{6274F62E-E912-4A1A-83B9-DB3440DE70C5}" type="datetimeFigureOut">
               <a:rPr lang="en-SG" smtClean="0"/>
-              <a:t>21/10/2016</a:t>
+              <a:t>7/11/2016</a:t>
             </a:fld>
             <a:endParaRPr lang="en-SG"/>
           </a:p>
@@ -2977,8 +2977,8 @@
         </p:nvSpPr>
         <p:spPr>
           <a:xfrm>
-            <a:off x="3459317" y="1447800"/>
-            <a:ext cx="4917083" cy="3962400"/>
+            <a:off x="3466367" y="1457324"/>
+            <a:ext cx="4917083" cy="4568825"/>
           </a:xfrm>
           <a:prstGeom prst="roundRect">
             <a:avLst>
@@ -3106,7 +3106,7 @@
           </a:lstStyle>
           <a:p>
             <a:r>
-              <a:rPr lang="en-US" sz="1200" b="1" dirty="0" smtClean="0">
+              <a:rPr lang="en-US" sz="1200" b="1" dirty="0">
                 <a:solidFill>
                   <a:schemeClr val="accent3">
                     <a:lumMod val="75000"/>
@@ -3571,7 +3571,7 @@
           <a:p>
             <a:pPr algn="ctr"/>
             <a:r>
-              <a:rPr lang="en-US" sz="1050" dirty="0" err="1" smtClean="0">
+              <a:rPr lang="en-US" sz="1050" dirty="0" err="1">
                 <a:solidFill>
                   <a:schemeClr val="bg1"/>
                 </a:solidFill>
@@ -4130,7 +4130,7 @@
         </p:nvSpPr>
         <p:spPr>
           <a:xfrm>
-            <a:off x="4834379" y="4563759"/>
+            <a:off x="4834379" y="5167023"/>
             <a:ext cx="1093635" cy="236841"/>
           </a:xfrm>
           <a:prstGeom prst="rect">
@@ -4411,7 +4411,7 @@
           <a:p>
             <a:pPr algn="ctr"/>
             <a:r>
-              <a:rPr lang="en-US" sz="1050" b="1" dirty="0" err="1" smtClean="0">
+              <a:rPr lang="en-US" sz="1050" b="1" dirty="0" err="1">
                 <a:solidFill>
                   <a:schemeClr val="accent3">
                     <a:lumMod val="75000"/>
@@ -4565,7 +4565,7 @@
           <a:p>
             <a:pPr algn="ctr"/>
             <a:r>
-              <a:rPr lang="en-US" sz="1050" b="1" dirty="0" err="1" smtClean="0">
+              <a:rPr lang="en-US" sz="1050" b="1" dirty="0" err="1">
                 <a:solidFill>
                   <a:schemeClr val="accent3">
                     <a:lumMod val="75000"/>
@@ -4592,7 +4592,7 @@
         </p:nvSpPr>
         <p:spPr>
           <a:xfrm>
-            <a:off x="4834380" y="4966000"/>
+            <a:off x="4834380" y="5569264"/>
             <a:ext cx="1093635" cy="236841"/>
           </a:xfrm>
           <a:prstGeom prst="rect">
@@ -5161,15 +5161,14 @@
         <p:nvCxnSpPr>
           <p:cNvPr id="21" name="Elbow Connector 20"/>
           <p:cNvCxnSpPr>
-            <a:stCxn id="16" idx="2"/>
             <a:endCxn id="12" idx="1"/>
           </p:cNvCxnSpPr>
           <p:nvPr/>
         </p:nvCxnSpPr>
         <p:spPr>
           <a:xfrm rot="16200000" flipH="1">
-            <a:off x="3839101" y="3686901"/>
-            <a:ext cx="1814155" cy="176401"/>
+            <a:off x="3791476" y="4242540"/>
+            <a:ext cx="1909405" cy="176401"/>
           </a:xfrm>
           <a:prstGeom prst="bentConnector2">
             <a:avLst/>
@@ -5208,8 +5207,8 @@
         </p:nvCxnSpPr>
         <p:spPr>
           <a:xfrm rot="16200000" flipH="1">
-            <a:off x="3425971" y="3676012"/>
-            <a:ext cx="2396440" cy="420377"/>
+            <a:off x="3133488" y="3986792"/>
+            <a:ext cx="2999705" cy="402080"/>
           </a:xfrm>
           <a:prstGeom prst="bentConnector2">
             <a:avLst/>
@@ -5373,7 +5372,7 @@
           <a:p>
             <a:pPr algn="ctr"/>
             <a:r>
-              <a:rPr lang="en-US" sz="1050" b="1" dirty="0" smtClean="0">
+              <a:rPr lang="en-US" sz="1050" b="1" dirty="0">
                 <a:solidFill>
                   <a:schemeClr val="accent3">
                     <a:lumMod val="75000"/>
@@ -5383,7 +5382,7 @@
               <a:t>{abstract}</a:t>
             </a:r>
             <a:br>
-              <a:rPr lang="en-US" sz="1050" b="1" dirty="0" smtClean="0">
+              <a:rPr lang="en-US" sz="1050" b="1" dirty="0">
                 <a:solidFill>
                   <a:schemeClr val="accent3">
                     <a:lumMod val="75000"/>
@@ -5392,7 +5391,7 @@
               </a:rPr>
             </a:br>
             <a:r>
-              <a:rPr lang="en-US" sz="1050" b="1" dirty="0" err="1" smtClean="0">
+              <a:rPr lang="en-US" sz="1050" b="1" dirty="0" err="1">
                 <a:solidFill>
                   <a:schemeClr val="accent3">
                     <a:lumMod val="75000"/>
@@ -5428,7 +5427,7 @@
           <a:prstGeom prst="bentConnector2">
             <a:avLst/>
           </a:prstGeom>
-          <a:ln w="6350">
+          <a:ln w="19050">
             <a:solidFill>
               <a:schemeClr val="accent3"/>
             </a:solidFill>
@@ -5469,7 +5468,7 @@
           <a:prstGeom prst="bentConnector2">
             <a:avLst/>
           </a:prstGeom>
-          <a:ln w="6350">
+          <a:ln w="19050">
             <a:solidFill>
               <a:schemeClr val="accent3"/>
             </a:solidFill>
@@ -5510,7 +5509,7 @@
           <a:prstGeom prst="bentConnector2">
             <a:avLst/>
           </a:prstGeom>
-          <a:ln w="6350">
+          <a:ln w="19050">
             <a:solidFill>
               <a:schemeClr val="accent3"/>
             </a:solidFill>
@@ -5579,20 +5578,19 @@
         <p:nvCxnSpPr>
           <p:cNvPr id="28" name="Elbow Connector 27"/>
           <p:cNvCxnSpPr>
-            <a:stCxn id="8" idx="3"/>
             <a:endCxn id="12" idx="3"/>
           </p:cNvCxnSpPr>
           <p:nvPr/>
         </p:nvCxnSpPr>
         <p:spPr>
           <a:xfrm rot="5400000">
-            <a:off x="5651828" y="2562187"/>
-            <a:ext cx="2396180" cy="1843807"/>
+            <a:off x="5604203" y="3117826"/>
+            <a:ext cx="2491430" cy="1843807"/>
           </a:xfrm>
           <a:prstGeom prst="bentConnector2">
             <a:avLst/>
           </a:prstGeom>
-          <a:ln w="6350">
+          <a:ln w="19050">
             <a:solidFill>
               <a:schemeClr val="accent3"/>
             </a:solidFill>
@@ -5620,20 +5618,19 @@
         <p:nvCxnSpPr>
           <p:cNvPr id="29" name="Elbow Connector 28"/>
           <p:cNvCxnSpPr>
-            <a:stCxn id="8" idx="3"/>
             <a:endCxn id="15" idx="3"/>
           </p:cNvCxnSpPr>
           <p:nvPr/>
         </p:nvCxnSpPr>
         <p:spPr>
           <a:xfrm rot="5400000">
-            <a:off x="5450708" y="2763307"/>
-            <a:ext cx="2798421" cy="1843806"/>
+            <a:off x="5403083" y="3318946"/>
+            <a:ext cx="2893671" cy="1843806"/>
           </a:xfrm>
           <a:prstGeom prst="bentConnector2">
             <a:avLst/>
           </a:prstGeom>
-          <a:ln w="6350">
+          <a:ln w="19050">
             <a:solidFill>
               <a:schemeClr val="accent3"/>
             </a:solidFill>
@@ -5938,8 +5935,8 @@
         </p:nvSpPr>
         <p:spPr>
           <a:xfrm rot="16200000">
-            <a:off x="8455591" y="4560376"/>
-            <a:ext cx="1371599" cy="328045"/>
+            <a:off x="8056934" y="4792277"/>
+            <a:ext cx="2139696" cy="328045"/>
           </a:xfrm>
           <a:prstGeom prst="roundRect">
             <a:avLst/>
@@ -6069,7 +6066,7 @@
           <a:p>
             <a:pPr algn="ctr"/>
             <a:r>
-              <a:rPr lang="en-US" sz="1100" b="1" dirty="0" smtClean="0">
+              <a:rPr lang="en-US" sz="1100" b="1" dirty="0">
                 <a:solidFill>
                   <a:schemeClr val="bg1"/>
                 </a:solidFill>
@@ -6222,7 +6219,7 @@
           <a:p>
             <a:pPr algn="ctr"/>
             <a:r>
-              <a:rPr lang="en-US" sz="1050" dirty="0" smtClean="0">
+              <a:rPr lang="en-US" sz="1050" dirty="0">
                 <a:solidFill>
                   <a:schemeClr val="bg1"/>
                 </a:solidFill>
@@ -6233,7 +6230,7 @@
           <a:p>
             <a:pPr algn="ctr"/>
             <a:r>
-              <a:rPr lang="en-US" sz="1050" dirty="0" err="1" smtClean="0">
+              <a:rPr lang="en-US" sz="1050" dirty="0" err="1">
                 <a:solidFill>
                   <a:schemeClr val="bg1"/>
                 </a:solidFill>
@@ -6490,7 +6487,7 @@
           <a:prstGeom prst="bentConnector2">
             <a:avLst/>
           </a:prstGeom>
-          <a:ln w="6350">
+          <a:ln w="19050">
             <a:solidFill>
               <a:schemeClr val="accent3"/>
             </a:solidFill>
@@ -6572,7 +6569,7 @@
           <a:prstGeom prst="bentConnector2">
             <a:avLst/>
           </a:prstGeom>
-          <a:ln w="6350">
+          <a:ln w="19050">
             <a:solidFill>
               <a:schemeClr val="accent3"/>
             </a:solidFill>
@@ -7075,7 +7072,7 @@
         <p:spPr>
           <a:xfrm flipV="1">
             <a:off x="6356651" y="4472708"/>
-            <a:ext cx="2642195" cy="101600"/>
+            <a:ext cx="2606107" cy="97195"/>
           </a:xfrm>
           <a:custGeom>
             <a:avLst/>
@@ -7242,6 +7239,396 @@
           </a:p>
         </p:txBody>
       </p:sp>
+      <p:sp>
+        <p:nvSpPr>
+          <p:cNvPr id="46" name="Rectangle 45"/>
+          <p:cNvSpPr/>
+          <p:nvPr/>
+        </p:nvSpPr>
+        <p:spPr>
+          <a:xfrm>
+            <a:off x="6282736" y="4608057"/>
+            <a:ext cx="1040906" cy="236841"/>
+          </a:xfrm>
+          <a:prstGeom prst="rect">
+            <a:avLst/>
+          </a:prstGeom>
+          <a:ln w="19050">
+            <a:solidFill>
+              <a:schemeClr val="accent3"/>
+            </a:solidFill>
+          </a:ln>
+          <a:effectLst/>
+        </p:spPr>
+        <p:style>
+          <a:lnRef idx="1">
+            <a:schemeClr val="accent3"/>
+          </a:lnRef>
+          <a:fillRef idx="2">
+            <a:schemeClr val="accent3"/>
+          </a:fillRef>
+          <a:effectRef idx="1">
+            <a:schemeClr val="accent3"/>
+          </a:effectRef>
+          <a:fontRef idx="minor">
+            <a:schemeClr val="dk1"/>
+          </a:fontRef>
+        </p:style>
+        <p:txBody>
+          <a:bodyPr rtlCol="0" anchor="ctr"/>
+          <a:lstStyle>
+            <a:defPPr>
+              <a:defRPr lang="en-US"/>
+            </a:defPPr>
+            <a:lvl1pPr marL="0" algn="l" defTabSz="914400" rtl="0" eaLnBrk="1" latinLnBrk="0" hangingPunct="1">
+              <a:defRPr sz="1800" kern="1200">
+                <a:solidFill>
+                  <a:schemeClr val="dk1"/>
+                </a:solidFill>
+                <a:latin typeface="+mn-lt"/>
+                <a:ea typeface="+mn-ea"/>
+                <a:cs typeface="+mn-cs"/>
+              </a:defRPr>
+            </a:lvl1pPr>
+            <a:lvl2pPr marL="457200" algn="l" defTabSz="914400" rtl="0" eaLnBrk="1" latinLnBrk="0" hangingPunct="1">
+              <a:defRPr sz="1800" kern="1200">
+                <a:solidFill>
+                  <a:schemeClr val="dk1"/>
+                </a:solidFill>
+                <a:latin typeface="+mn-lt"/>
+                <a:ea typeface="+mn-ea"/>
+                <a:cs typeface="+mn-cs"/>
+              </a:defRPr>
+            </a:lvl2pPr>
+            <a:lvl3pPr marL="914400" algn="l" defTabSz="914400" rtl="0" eaLnBrk="1" latinLnBrk="0" hangingPunct="1">
+              <a:defRPr sz="1800" kern="1200">
+                <a:solidFill>
+                  <a:schemeClr val="dk1"/>
+                </a:solidFill>
+                <a:latin typeface="+mn-lt"/>
+                <a:ea typeface="+mn-ea"/>
+                <a:cs typeface="+mn-cs"/>
+              </a:defRPr>
+            </a:lvl3pPr>
+            <a:lvl4pPr marL="1371600" algn="l" defTabSz="914400" rtl="0" eaLnBrk="1" latinLnBrk="0" hangingPunct="1">
+              <a:defRPr sz="1800" kern="1200">
+                <a:solidFill>
+                  <a:schemeClr val="dk1"/>
+                </a:solidFill>
+                <a:latin typeface="+mn-lt"/>
+                <a:ea typeface="+mn-ea"/>
+                <a:cs typeface="+mn-cs"/>
+              </a:defRPr>
+            </a:lvl4pPr>
+            <a:lvl5pPr marL="1828800" algn="l" defTabSz="914400" rtl="0" eaLnBrk="1" latinLnBrk="0" hangingPunct="1">
+              <a:defRPr sz="1800" kern="1200">
+                <a:solidFill>
+                  <a:schemeClr val="dk1"/>
+                </a:solidFill>
+                <a:latin typeface="+mn-lt"/>
+                <a:ea typeface="+mn-ea"/>
+                <a:cs typeface="+mn-cs"/>
+              </a:defRPr>
+            </a:lvl5pPr>
+            <a:lvl6pPr marL="2286000" algn="l" defTabSz="914400" rtl="0" eaLnBrk="1" latinLnBrk="0" hangingPunct="1">
+              <a:defRPr sz="1800" kern="1200">
+                <a:solidFill>
+                  <a:schemeClr val="dk1"/>
+                </a:solidFill>
+                <a:latin typeface="+mn-lt"/>
+                <a:ea typeface="+mn-ea"/>
+                <a:cs typeface="+mn-cs"/>
+              </a:defRPr>
+            </a:lvl6pPr>
+            <a:lvl7pPr marL="2743200" algn="l" defTabSz="914400" rtl="0" eaLnBrk="1" latinLnBrk="0" hangingPunct="1">
+              <a:defRPr sz="1800" kern="1200">
+                <a:solidFill>
+                  <a:schemeClr val="dk1"/>
+                </a:solidFill>
+                <a:latin typeface="+mn-lt"/>
+                <a:ea typeface="+mn-ea"/>
+                <a:cs typeface="+mn-cs"/>
+              </a:defRPr>
+            </a:lvl7pPr>
+            <a:lvl8pPr marL="3200400" algn="l" defTabSz="914400" rtl="0" eaLnBrk="1" latinLnBrk="0" hangingPunct="1">
+              <a:defRPr sz="1800" kern="1200">
+                <a:solidFill>
+                  <a:schemeClr val="dk1"/>
+                </a:solidFill>
+                <a:latin typeface="+mn-lt"/>
+                <a:ea typeface="+mn-ea"/>
+                <a:cs typeface="+mn-cs"/>
+              </a:defRPr>
+            </a:lvl8pPr>
+            <a:lvl9pPr marL="3657600" algn="l" defTabSz="914400" rtl="0" eaLnBrk="1" latinLnBrk="0" hangingPunct="1">
+              <a:defRPr sz="1800" kern="1200">
+                <a:solidFill>
+                  <a:schemeClr val="dk1"/>
+                </a:solidFill>
+                <a:latin typeface="+mn-lt"/>
+                <a:ea typeface="+mn-ea"/>
+                <a:cs typeface="+mn-cs"/>
+              </a:defRPr>
+            </a:lvl9pPr>
+          </a:lstStyle>
+          <a:p>
+            <a:pPr algn="ctr"/>
+            <a:r>
+              <a:rPr lang="en-US" sz="1050" b="1" dirty="0" err="1">
+                <a:solidFill>
+                  <a:schemeClr val="accent3">
+                    <a:lumMod val="75000"/>
+                  </a:schemeClr>
+                </a:solidFill>
+              </a:rPr>
+              <a:t>TagListPanel</a:t>
+            </a:r>
+            <a:endParaRPr lang="en-SG" sz="1050" b="1" dirty="0">
+              <a:solidFill>
+                <a:schemeClr val="accent3">
+                  <a:lumMod val="75000"/>
+                </a:schemeClr>
+              </a:solidFill>
+            </a:endParaRPr>
+          </a:p>
+        </p:txBody>
+      </p:sp>
+      <p:cxnSp>
+        <p:nvCxnSpPr>
+          <p:cNvPr id="47" name="Elbow Connector 39"/>
+          <p:cNvCxnSpPr>
+            <a:endCxn id="46" idx="1"/>
+          </p:cNvCxnSpPr>
+          <p:nvPr/>
+        </p:nvCxnSpPr>
+        <p:spPr>
+          <a:xfrm rot="16200000" flipH="1">
+            <a:off x="6082707" y="4526448"/>
+            <a:ext cx="264807" cy="135251"/>
+          </a:xfrm>
+          <a:prstGeom prst="bentConnector2">
+            <a:avLst/>
+          </a:prstGeom>
+          <a:ln w="19050">
+            <a:solidFill>
+              <a:schemeClr val="accent3"/>
+            </a:solidFill>
+            <a:headEnd type="none" w="med" len="med"/>
+            <a:tailEnd type="arrow" w="med" len="med"/>
+          </a:ln>
+          <a:effectLst/>
+        </p:spPr>
+        <p:style>
+          <a:lnRef idx="1">
+            <a:schemeClr val="accent2"/>
+          </a:lnRef>
+          <a:fillRef idx="2">
+            <a:schemeClr val="accent2"/>
+          </a:fillRef>
+          <a:effectRef idx="1">
+            <a:schemeClr val="accent2"/>
+          </a:effectRef>
+          <a:fontRef idx="minor">
+            <a:schemeClr val="dk1"/>
+          </a:fontRef>
+        </p:style>
+      </p:cxnSp>
+      <p:sp>
+        <p:nvSpPr>
+          <p:cNvPr id="56" name="Rectangle 55"/>
+          <p:cNvSpPr/>
+          <p:nvPr/>
+        </p:nvSpPr>
+        <p:spPr>
+          <a:xfrm>
+            <a:off x="6637621" y="4914576"/>
+            <a:ext cx="1040906" cy="236841"/>
+          </a:xfrm>
+          <a:prstGeom prst="rect">
+            <a:avLst/>
+          </a:prstGeom>
+          <a:ln w="19050">
+            <a:solidFill>
+              <a:schemeClr val="accent3"/>
+            </a:solidFill>
+          </a:ln>
+          <a:effectLst/>
+        </p:spPr>
+        <p:style>
+          <a:lnRef idx="1">
+            <a:schemeClr val="accent3"/>
+          </a:lnRef>
+          <a:fillRef idx="2">
+            <a:schemeClr val="accent3"/>
+          </a:fillRef>
+          <a:effectRef idx="1">
+            <a:schemeClr val="accent3"/>
+          </a:effectRef>
+          <a:fontRef idx="minor">
+            <a:schemeClr val="dk1"/>
+          </a:fontRef>
+        </p:style>
+        <p:txBody>
+          <a:bodyPr rtlCol="0" anchor="ctr"/>
+          <a:lstStyle>
+            <a:defPPr>
+              <a:defRPr lang="en-US"/>
+            </a:defPPr>
+            <a:lvl1pPr marL="0" algn="l" defTabSz="914400" rtl="0" eaLnBrk="1" latinLnBrk="0" hangingPunct="1">
+              <a:defRPr sz="1800" kern="1200">
+                <a:solidFill>
+                  <a:schemeClr val="dk1"/>
+                </a:solidFill>
+                <a:latin typeface="+mn-lt"/>
+                <a:ea typeface="+mn-ea"/>
+                <a:cs typeface="+mn-cs"/>
+              </a:defRPr>
+            </a:lvl1pPr>
+            <a:lvl2pPr marL="457200" algn="l" defTabSz="914400" rtl="0" eaLnBrk="1" latinLnBrk="0" hangingPunct="1">
+              <a:defRPr sz="1800" kern="1200">
+                <a:solidFill>
+                  <a:schemeClr val="dk1"/>
+                </a:solidFill>
+                <a:latin typeface="+mn-lt"/>
+                <a:ea typeface="+mn-ea"/>
+                <a:cs typeface="+mn-cs"/>
+              </a:defRPr>
+            </a:lvl2pPr>
+            <a:lvl3pPr marL="914400" algn="l" defTabSz="914400" rtl="0" eaLnBrk="1" latinLnBrk="0" hangingPunct="1">
+              <a:defRPr sz="1800" kern="1200">
+                <a:solidFill>
+                  <a:schemeClr val="dk1"/>
+                </a:solidFill>
+                <a:latin typeface="+mn-lt"/>
+                <a:ea typeface="+mn-ea"/>
+                <a:cs typeface="+mn-cs"/>
+              </a:defRPr>
+            </a:lvl3pPr>
+            <a:lvl4pPr marL="1371600" algn="l" defTabSz="914400" rtl="0" eaLnBrk="1" latinLnBrk="0" hangingPunct="1">
+              <a:defRPr sz="1800" kern="1200">
+                <a:solidFill>
+                  <a:schemeClr val="dk1"/>
+                </a:solidFill>
+                <a:latin typeface="+mn-lt"/>
+                <a:ea typeface="+mn-ea"/>
+                <a:cs typeface="+mn-cs"/>
+              </a:defRPr>
+            </a:lvl4pPr>
+            <a:lvl5pPr marL="1828800" algn="l" defTabSz="914400" rtl="0" eaLnBrk="1" latinLnBrk="0" hangingPunct="1">
+              <a:defRPr sz="1800" kern="1200">
+                <a:solidFill>
+                  <a:schemeClr val="dk1"/>
+                </a:solidFill>
+                <a:latin typeface="+mn-lt"/>
+                <a:ea typeface="+mn-ea"/>
+                <a:cs typeface="+mn-cs"/>
+              </a:defRPr>
+            </a:lvl5pPr>
+            <a:lvl6pPr marL="2286000" algn="l" defTabSz="914400" rtl="0" eaLnBrk="1" latinLnBrk="0" hangingPunct="1">
+              <a:defRPr sz="1800" kern="1200">
+                <a:solidFill>
+                  <a:schemeClr val="dk1"/>
+                </a:solidFill>
+                <a:latin typeface="+mn-lt"/>
+                <a:ea typeface="+mn-ea"/>
+                <a:cs typeface="+mn-cs"/>
+              </a:defRPr>
+            </a:lvl6pPr>
+            <a:lvl7pPr marL="2743200" algn="l" defTabSz="914400" rtl="0" eaLnBrk="1" latinLnBrk="0" hangingPunct="1">
+              <a:defRPr sz="1800" kern="1200">
+                <a:solidFill>
+                  <a:schemeClr val="dk1"/>
+                </a:solidFill>
+                <a:latin typeface="+mn-lt"/>
+                <a:ea typeface="+mn-ea"/>
+                <a:cs typeface="+mn-cs"/>
+              </a:defRPr>
+            </a:lvl7pPr>
+            <a:lvl8pPr marL="3200400" algn="l" defTabSz="914400" rtl="0" eaLnBrk="1" latinLnBrk="0" hangingPunct="1">
+              <a:defRPr sz="1800" kern="1200">
+                <a:solidFill>
+                  <a:schemeClr val="dk1"/>
+                </a:solidFill>
+                <a:latin typeface="+mn-lt"/>
+                <a:ea typeface="+mn-ea"/>
+                <a:cs typeface="+mn-cs"/>
+              </a:defRPr>
+            </a:lvl8pPr>
+            <a:lvl9pPr marL="3657600" algn="l" defTabSz="914400" rtl="0" eaLnBrk="1" latinLnBrk="0" hangingPunct="1">
+              <a:defRPr sz="1800" kern="1200">
+                <a:solidFill>
+                  <a:schemeClr val="dk1"/>
+                </a:solidFill>
+                <a:latin typeface="+mn-lt"/>
+                <a:ea typeface="+mn-ea"/>
+                <a:cs typeface="+mn-cs"/>
+              </a:defRPr>
+            </a:lvl9pPr>
+          </a:lstStyle>
+          <a:p>
+            <a:pPr algn="ctr"/>
+            <a:r>
+              <a:rPr lang="en-US" sz="1050" b="1" dirty="0" err="1">
+                <a:solidFill>
+                  <a:schemeClr val="accent3">
+                    <a:lumMod val="75000"/>
+                  </a:schemeClr>
+                </a:solidFill>
+              </a:rPr>
+              <a:t>TagCard</a:t>
+            </a:r>
+            <a:endParaRPr lang="en-SG" sz="1050" b="1" dirty="0">
+              <a:solidFill>
+                <a:schemeClr val="accent3">
+                  <a:lumMod val="75000"/>
+                </a:schemeClr>
+              </a:solidFill>
+            </a:endParaRPr>
+          </a:p>
+        </p:txBody>
+      </p:sp>
+      <p:cxnSp>
+        <p:nvCxnSpPr>
+          <p:cNvPr id="60" name="Elbow Connector 39"/>
+          <p:cNvCxnSpPr>
+            <a:endCxn id="56" idx="1"/>
+          </p:cNvCxnSpPr>
+          <p:nvPr/>
+        </p:nvCxnSpPr>
+        <p:spPr>
+          <a:xfrm>
+            <a:off x="6356651" y="4853722"/>
+            <a:ext cx="280970" cy="179275"/>
+          </a:xfrm>
+          <a:prstGeom prst="bentConnector3">
+            <a:avLst>
+              <a:gd name="adj1" fmla="val 3387"/>
+            </a:avLst>
+          </a:prstGeom>
+          <a:ln w="19050">
+            <a:solidFill>
+              <a:schemeClr val="accent3"/>
+            </a:solidFill>
+            <a:headEnd type="none" w="med" len="med"/>
+            <a:tailEnd type="arrow" w="med" len="med"/>
+          </a:ln>
+          <a:effectLst/>
+        </p:spPr>
+        <p:style>
+          <a:lnRef idx="1">
+            <a:schemeClr val="accent2"/>
+          </a:lnRef>
+          <a:fillRef idx="2">
+            <a:schemeClr val="accent2"/>
+          </a:fillRef>
+          <a:effectRef idx="1">
+            <a:schemeClr val="accent2"/>
+          </a:effectRef>
+          <a:fontRef idx="minor">
+            <a:schemeClr val="dk1"/>
+          </a:fontRef>
+        </p:style>
+      </p:cxnSp>
     </p:spTree>
     <p:extLst>
       <p:ext uri="{BB962C8B-B14F-4D97-AF65-F5344CB8AC3E}">
